--- a/multibuild/v1.2/assets/ppt/affect_sync_no_level.pptx
+++ b/multibuild/v1.2/assets/ppt/affect_sync_no_level.pptx
@@ -248,7 +248,7 @@
           <a:p>
             <a:fld id="{4A05E241-9B1A-4ED9-8724-5E03C726729F}" type="datetimeFigureOut">
               <a:rPr lang="he-IL" smtClean="0"/>
-              <a:t>כ"ז/סיון/תשפ"ב</a:t>
+              <a:t>כ"ו/כסלו/תשפ"ג</a:t>
             </a:fld>
             <a:endParaRPr lang="he-IL"/>
           </a:p>
@@ -418,7 +418,7 @@
           <a:p>
             <a:fld id="{4A05E241-9B1A-4ED9-8724-5E03C726729F}" type="datetimeFigureOut">
               <a:rPr lang="he-IL" smtClean="0"/>
-              <a:t>כ"ז/סיון/תשפ"ב</a:t>
+              <a:t>כ"ו/כסלו/תשפ"ג</a:t>
             </a:fld>
             <a:endParaRPr lang="he-IL"/>
           </a:p>
@@ -598,7 +598,7 @@
           <a:p>
             <a:fld id="{4A05E241-9B1A-4ED9-8724-5E03C726729F}" type="datetimeFigureOut">
               <a:rPr lang="he-IL" smtClean="0"/>
-              <a:t>כ"ז/סיון/תשפ"ב</a:t>
+              <a:t>כ"ו/כסלו/תשפ"ג</a:t>
             </a:fld>
             <a:endParaRPr lang="he-IL"/>
           </a:p>
@@ -768,7 +768,7 @@
           <a:p>
             <a:fld id="{4A05E241-9B1A-4ED9-8724-5E03C726729F}" type="datetimeFigureOut">
               <a:rPr lang="he-IL" smtClean="0"/>
-              <a:t>כ"ז/סיון/תשפ"ב</a:t>
+              <a:t>כ"ו/כסלו/תשפ"ג</a:t>
             </a:fld>
             <a:endParaRPr lang="he-IL"/>
           </a:p>
@@ -1014,7 +1014,7 @@
           <a:p>
             <a:fld id="{4A05E241-9B1A-4ED9-8724-5E03C726729F}" type="datetimeFigureOut">
               <a:rPr lang="he-IL" smtClean="0"/>
-              <a:t>כ"ז/סיון/תשפ"ב</a:t>
+              <a:t>כ"ו/כסלו/תשפ"ג</a:t>
             </a:fld>
             <a:endParaRPr lang="he-IL"/>
           </a:p>
@@ -1246,7 +1246,7 @@
           <a:p>
             <a:fld id="{4A05E241-9B1A-4ED9-8724-5E03C726729F}" type="datetimeFigureOut">
               <a:rPr lang="he-IL" smtClean="0"/>
-              <a:t>כ"ז/סיון/תשפ"ב</a:t>
+              <a:t>כ"ו/כסלו/תשפ"ג</a:t>
             </a:fld>
             <a:endParaRPr lang="he-IL"/>
           </a:p>
@@ -1613,7 +1613,7 @@
           <a:p>
             <a:fld id="{4A05E241-9B1A-4ED9-8724-5E03C726729F}" type="datetimeFigureOut">
               <a:rPr lang="he-IL" smtClean="0"/>
-              <a:t>כ"ז/סיון/תשפ"ב</a:t>
+              <a:t>כ"ו/כסלו/תשפ"ג</a:t>
             </a:fld>
             <a:endParaRPr lang="he-IL"/>
           </a:p>
@@ -1731,7 +1731,7 @@
           <a:p>
             <a:fld id="{4A05E241-9B1A-4ED9-8724-5E03C726729F}" type="datetimeFigureOut">
               <a:rPr lang="he-IL" smtClean="0"/>
-              <a:t>כ"ז/סיון/תשפ"ב</a:t>
+              <a:t>כ"ו/כסלו/תשפ"ג</a:t>
             </a:fld>
             <a:endParaRPr lang="he-IL"/>
           </a:p>
@@ -1826,7 +1826,7 @@
           <a:p>
             <a:fld id="{4A05E241-9B1A-4ED9-8724-5E03C726729F}" type="datetimeFigureOut">
               <a:rPr lang="he-IL" smtClean="0"/>
-              <a:t>כ"ז/סיון/תשפ"ב</a:t>
+              <a:t>כ"ו/כסלו/תשפ"ג</a:t>
             </a:fld>
             <a:endParaRPr lang="he-IL"/>
           </a:p>
@@ -2103,7 +2103,7 @@
           <a:p>
             <a:fld id="{4A05E241-9B1A-4ED9-8724-5E03C726729F}" type="datetimeFigureOut">
               <a:rPr lang="he-IL" smtClean="0"/>
-              <a:t>כ"ז/סיון/תשפ"ב</a:t>
+              <a:t>כ"ו/כסלו/תשפ"ג</a:t>
             </a:fld>
             <a:endParaRPr lang="he-IL"/>
           </a:p>
@@ -2360,7 +2360,7 @@
           <a:p>
             <a:fld id="{4A05E241-9B1A-4ED9-8724-5E03C726729F}" type="datetimeFigureOut">
               <a:rPr lang="he-IL" smtClean="0"/>
-              <a:t>כ"ז/סיון/תשפ"ב</a:t>
+              <a:t>כ"ו/כסלו/תשפ"ג</a:t>
             </a:fld>
             <a:endParaRPr lang="he-IL"/>
           </a:p>
@@ -2573,7 +2573,7 @@
           <a:p>
             <a:fld id="{4A05E241-9B1A-4ED9-8724-5E03C726729F}" type="datetimeFigureOut">
               <a:rPr lang="he-IL" smtClean="0"/>
-              <a:t>כ"ז/סיון/תשפ"ב</a:t>
+              <a:t>כ"ו/כסלו/תשפ"ג</a:t>
             </a:fld>
             <a:endParaRPr lang="he-IL"/>
           </a:p>
@@ -3015,7 +3015,12 @@
             <p:ph idx="1"/>
           </p:nvPr>
         </p:nvSpPr>
-        <p:spPr/>
+        <p:spPr>
+          <a:xfrm>
+            <a:off x="447869" y="1446245"/>
+            <a:ext cx="10905931" cy="5187820"/>
+          </a:xfrm>
+        </p:spPr>
         <p:txBody>
           <a:bodyPr>
             <a:normAutofit fontScale="92500" lnSpcReduction="20000"/>
@@ -3074,19 +3079,85 @@
               <a:rPr lang="he-IL" dirty="0"/>
               <a:t>מיד נציג לכם מספר דוגמאות:</a:t>
             </a:r>
+            <a:endParaRPr lang="en-US" dirty="0"/>
+          </a:p>
+          <a:p>
+            <a:pPr marL="0" indent="0" algn="ctr">
+              <a:buNone/>
+            </a:pPr>
+            <a:r>
+              <a:rPr lang="he-IL" dirty="0"/>
+              <a:t>(לחץ        במקלדת בשביל להתקדם)</a:t>
+            </a:r>
+          </a:p>
+          <a:p>
+            <a:pPr marL="0" indent="0" algn="ctr">
+              <a:buNone/>
+            </a:pPr>
+            <a:endParaRPr lang="he-IL" dirty="0"/>
           </a:p>
           <a:p>
             <a:pPr marL="0" indent="0">
               <a:buNone/>
             </a:pPr>
-            <a:r>
-              <a:rPr lang="he-IL" dirty="0"/>
-              <a:t/>
-            </a:r>
             <a:br>
               <a:rPr lang="he-IL" dirty="0"/>
             </a:br>
             <a:endParaRPr lang="he-IL" dirty="0"/>
+          </a:p>
+        </p:txBody>
+      </p:sp>
+      <p:sp>
+        <p:nvSpPr>
+          <p:cNvPr id="4" name="Arrow: Right 3">
+            <a:extLst>
+              <a:ext uri="{FF2B5EF4-FFF2-40B4-BE49-F238E27FC236}">
+                <a16:creationId xmlns:a16="http://schemas.microsoft.com/office/drawing/2014/main" id="{4F7428F7-2705-4876-7A5E-B6C196A6A050}"/>
+              </a:ext>
+            </a:extLst>
+          </p:cNvPr>
+          <p:cNvSpPr/>
+          <p:nvPr/>
+        </p:nvSpPr>
+        <p:spPr>
+          <a:xfrm>
+            <a:off x="7081936" y="4823926"/>
+            <a:ext cx="438539" cy="326572"/>
+          </a:xfrm>
+          <a:prstGeom prst="rightArrow">
+            <a:avLst/>
+          </a:prstGeom>
+          <a:solidFill>
+            <a:schemeClr val="tx1"/>
+          </a:solidFill>
+          <a:ln>
+            <a:solidFill>
+              <a:schemeClr val="tx1"/>
+            </a:solidFill>
+          </a:ln>
+        </p:spPr>
+        <p:style>
+          <a:lnRef idx="2">
+            <a:schemeClr val="accent1">
+              <a:shade val="50000"/>
+            </a:schemeClr>
+          </a:lnRef>
+          <a:fillRef idx="1">
+            <a:schemeClr val="accent1"/>
+          </a:fillRef>
+          <a:effectRef idx="0">
+            <a:schemeClr val="accent1"/>
+          </a:effectRef>
+          <a:fontRef idx="minor">
+            <a:schemeClr val="lt1"/>
+          </a:fontRef>
+        </p:style>
+        <p:txBody>
+          <a:bodyPr rtlCol="0" anchor="ctr"/>
+          <a:lstStyle/>
+          <a:p>
+            <a:pPr algn="ctr"/>
+            <a:endParaRPr lang="en-IL"/>
           </a:p>
         </p:txBody>
       </p:sp>
@@ -3411,10 +3482,6 @@
             <a:pPr marL="0" indent="0">
               <a:buNone/>
             </a:pPr>
-            <a:r>
-              <a:rPr lang="he-IL" dirty="0"/>
-              <a:t/>
-            </a:r>
             <a:br>
               <a:rPr lang="he-IL" dirty="0"/>
             </a:br>
@@ -3636,10 +3703,6 @@
             <a:pPr marL="0" indent="0">
               <a:buNone/>
             </a:pPr>
-            <a:r>
-              <a:rPr lang="he-IL" dirty="0"/>
-              <a:t/>
-            </a:r>
             <a:br>
               <a:rPr lang="he-IL" dirty="0"/>
             </a:br>
@@ -3750,10 +3813,6 @@
             <a:pPr marL="0" indent="0">
               <a:buNone/>
             </a:pPr>
-            <a:r>
-              <a:rPr lang="he-IL" dirty="0"/>
-              <a:t/>
-            </a:r>
             <a:br>
               <a:rPr lang="he-IL" dirty="0"/>
             </a:br>
@@ -3906,18 +3965,14 @@
             </a:pPr>
             <a:r>
               <a:rPr lang="he-IL" dirty="0"/>
-              <a:t>נבקש מכם לדרג עם הסליידר באופן חופשי את הרמה של הסינכרון הרגשי בין הדמויות בסרט כפי שאתם מבינים וחווים בכל רגע נתון</a:t>
-            </a:r>
-            <a:r>
-              <a:rPr lang="he-IL" dirty="0" smtClean="0"/>
-              <a:t>.</a:t>
+              <a:t>נבקש מכם לדרג עם הסליידר באופן חופשי את הרמה של הסינכרון הרגשי בין הדמויות בסרט כפי שאתם מבינים וחווים בכל רגע נתון.</a:t>
             </a:r>
           </a:p>
           <a:p>
             <a:pPr marL="0" indent="0">
               <a:buNone/>
             </a:pPr>
-            <a:endParaRPr lang="he-IL" dirty="0" smtClean="0"/>
+            <a:endParaRPr lang="he-IL" dirty="0"/>
           </a:p>
           <a:p>
             <a:pPr marL="0" indent="0">
